--- a/presentations/final-presentations/2020-08-06-atpesc/09-reproducibility.pptx
+++ b/presentations/final-presentations/2020-08-06-atpesc/09-reproducibility.pptx
@@ -12,7 +12,7 @@
   </p:handoutMasterIdLst>
   <p:sldIdLst>
     <p:sldId id="318" r:id="rId5"/>
-    <p:sldId id="1843" r:id="rId6"/>
+    <p:sldId id="320" r:id="rId6"/>
     <p:sldId id="1820" r:id="rId7"/>
     <p:sldId id="1838" r:id="rId8"/>
     <p:sldId id="1824" r:id="rId9"/>
@@ -285,7 +285,7 @@
           <a:p>
             <a:fld id="{0B842F42-2CE9-4E35-95C1-410DC08A50B1}" type="datetimeFigureOut">
               <a:rPr lang="en-US" smtClean="0"/>
-              <a:t>8/3/2020</a:t>
+              <a:t>8/5/2020</a:t>
             </a:fld>
             <a:endParaRPr lang="en-US"/>
           </a:p>
@@ -450,7 +450,7 @@
           <a:p>
             <a:fld id="{6F282904-F315-4730-8D91-37D99E141A6F}" type="datetimeFigureOut">
               <a:rPr lang="en-US" smtClean="0"/>
-              <a:t>8/3/2020</a:t>
+              <a:t>8/5/2020</a:t>
             </a:fld>
             <a:endParaRPr lang="en-US"/>
           </a:p>
@@ -6383,7 +6383,7 @@
             </a:r>
             <a:r>
               <a:rPr lang="en-US" sz="1600" b="1" dirty="0"/>
-              <a:t>, Software Productivity Track, in Argonne Training Program for Extreme Scale Computing (ATPESC), online. DOI: </a:t>
+              <a:t>, Software Productivity Track, in Argonne Training Program for Extreme Scale Computing (ATPESC), August 2020, online. DOI: </a:t>
             </a:r>
             <a:r>
               <a:rPr lang="en-US" sz="1600" b="1" dirty="0">
@@ -6414,6 +6414,9 @@
           </a:p>
           <a:p>
             <a:pPr marL="0" indent="0">
+              <a:spcBef>
+                <a:spcPts val="800"/>
+              </a:spcBef>
               <a:buNone/>
             </a:pPr>
             <a:r>
@@ -6445,7 +6448,7 @@
             </a:r>
             <a:r>
               <a:rPr lang="en-US" sz="1600" dirty="0"/>
-              <a:t>, Jared O’Neal, David Rogers</a:t>
+              <a:t>, Jared O’Neal, David Rogers, Deborah Stevens</a:t>
             </a:r>
           </a:p>
           <a:p>
@@ -6576,7 +6579,7 @@
     </p:spTree>
     <p:extLst>
       <p:ext uri="{BB962C8B-B14F-4D97-AF65-F5344CB8AC3E}">
-        <p14:creationId xmlns:p14="http://schemas.microsoft.com/office/powerpoint/2010/main" val="3277133397"/>
+        <p14:creationId xmlns:p14="http://schemas.microsoft.com/office/powerpoint/2010/main" val="978726433"/>
       </p:ext>
     </p:extLst>
   </p:cSld>
@@ -13461,6 +13464,21 @@
 </file>
 
 <file path=customXml/item1.xml><?xml version="1.0" encoding="utf-8"?>
+<p:properties xmlns:p="http://schemas.microsoft.com/office/2006/metadata/properties" xmlns:xsi="http://www.w3.org/2001/XMLSchema-instance" xmlns:pc="http://schemas.microsoft.com/office/infopath/2007/PartnerControls">
+  <documentManagement/>
+</p:properties>
+</file>
+
+<file path=customXml/item2.xml><?xml version="1.0" encoding="utf-8"?>
+<?mso-contentType ?>
+<FormTemplates xmlns="http://schemas.microsoft.com/sharepoint/v3/contenttype/forms">
+  <Display>DocumentLibraryForm</Display>
+  <Edit>DocumentLibraryForm</Edit>
+  <New>DocumentLibraryForm</New>
+</FormTemplates>
+</file>
+
+<file path=customXml/item3.xml><?xml version="1.0" encoding="utf-8"?>
 <ct:contentTypeSchema xmlns:ct="http://schemas.microsoft.com/office/2006/metadata/contentType" xmlns:ma="http://schemas.microsoft.com/office/2006/metadata/properties/metaAttributes" ct:_="" ma:_="" ma:contentTypeName="Document" ma:contentTypeID="0x010100565464437F680748A68B85EB6594EA7D" ma:contentTypeVersion="0" ma:contentTypeDescription="Create a new document." ma:contentTypeScope="" ma:versionID="fe3f4dd58d5914c51cfc6deaa8ad845c">
   <xsd:schema xmlns:xsd="http://www.w3.org/2001/XMLSchema" xmlns:p="http://schemas.microsoft.com/office/2006/metadata/properties" targetNamespace="http://schemas.microsoft.com/office/2006/metadata/properties" ma:root="true" ma:fieldsID="4aeb20c0e3442673af7ee10786458764">
     <xsd:element name="properties">
@@ -13509,32 +13527,17 @@
 </ct:contentTypeSchema>
 </file>
 
-<file path=customXml/item2.xml><?xml version="1.0" encoding="utf-8"?>
-<?mso-contentType ?>
-<FormTemplates xmlns="http://schemas.microsoft.com/sharepoint/v3/contenttype/forms">
-  <Display>DocumentLibraryForm</Display>
-  <Edit>DocumentLibraryForm</Edit>
-  <New>DocumentLibraryForm</New>
-</FormTemplates>
-</file>
-
-<file path=customXml/item3.xml><?xml version="1.0" encoding="utf-8"?>
-<p:properties xmlns:p="http://schemas.microsoft.com/office/2006/metadata/properties" xmlns:xsi="http://www.w3.org/2001/XMLSchema-instance" xmlns:pc="http://schemas.microsoft.com/office/infopath/2007/PartnerControls">
-  <documentManagement/>
-</p:properties>
-</file>
-
 <file path=customXml/itemProps1.xml><?xml version="1.0" encoding="utf-8"?>
-<ds:datastoreItem xmlns:ds="http://schemas.openxmlformats.org/officeDocument/2006/customXml" ds:itemID="{E8DB7DEB-074E-4EE8-9B6E-FD277323109C}">
+<ds:datastoreItem xmlns:ds="http://schemas.openxmlformats.org/officeDocument/2006/customXml" ds:itemID="{A50EC660-24D0-43A0-AE5E-E274115E726B}">
   <ds:schemaRefs>
-    <ds:schemaRef ds:uri="http://schemas.microsoft.com/office/2006/metadata/contentType"/>
-    <ds:schemaRef ds:uri="http://schemas.microsoft.com/office/2006/metadata/properties/metaAttributes"/>
-    <ds:schemaRef ds:uri="http://www.w3.org/2001/XMLSchema"/>
+    <ds:schemaRef ds:uri="http://purl.org/dc/terms/"/>
+    <ds:schemaRef ds:uri="http://schemas.openxmlformats.org/package/2006/metadata/core-properties"/>
+    <ds:schemaRef ds:uri="http://schemas.microsoft.com/office/2006/documentManagement/types"/>
+    <ds:schemaRef ds:uri="http://purl.org/dc/elements/1.1/"/>
     <ds:schemaRef ds:uri="http://schemas.microsoft.com/office/2006/metadata/properties"/>
-    <ds:schemaRef ds:uri="http://schemas.openxmlformats.org/package/2006/metadata/core-properties"/>
-    <ds:schemaRef ds:uri="http://purl.org/dc/elements/1.1/"/>
-    <ds:schemaRef ds:uri="http://purl.org/dc/terms/"/>
-    <ds:schemaRef ds:uri="http://schemas.microsoft.com/office/internal/2005/internalDocumentation"/>
+    <ds:schemaRef ds:uri="http://www.w3.org/XML/1998/namespace"/>
+    <ds:schemaRef ds:uri="http://purl.org/dc/dcmitype/"/>
+    <ds:schemaRef ds:uri="http://schemas.microsoft.com/office/infopath/2007/PartnerControls"/>
   </ds:schemaRefs>
 </ds:datastoreItem>
 </file>
@@ -13548,16 +13551,16 @@
 </file>
 
 <file path=customXml/itemProps3.xml><?xml version="1.0" encoding="utf-8"?>
-<ds:datastoreItem xmlns:ds="http://schemas.openxmlformats.org/officeDocument/2006/customXml" ds:itemID="{A50EC660-24D0-43A0-AE5E-E274115E726B}">
+<ds:datastoreItem xmlns:ds="http://schemas.openxmlformats.org/officeDocument/2006/customXml" ds:itemID="{E8DB7DEB-074E-4EE8-9B6E-FD277323109C}">
   <ds:schemaRefs>
+    <ds:schemaRef ds:uri="http://schemas.microsoft.com/office/2006/metadata/contentType"/>
+    <ds:schemaRef ds:uri="http://schemas.microsoft.com/office/2006/metadata/properties/metaAttributes"/>
+    <ds:schemaRef ds:uri="http://www.w3.org/2001/XMLSchema"/>
+    <ds:schemaRef ds:uri="http://schemas.microsoft.com/office/2006/metadata/properties"/>
+    <ds:schemaRef ds:uri="http://schemas.openxmlformats.org/package/2006/metadata/core-properties"/>
+    <ds:schemaRef ds:uri="http://purl.org/dc/elements/1.1/"/>
     <ds:schemaRef ds:uri="http://purl.org/dc/terms/"/>
-    <ds:schemaRef ds:uri="http://schemas.openxmlformats.org/package/2006/metadata/core-properties"/>
-    <ds:schemaRef ds:uri="http://schemas.microsoft.com/office/2006/documentManagement/types"/>
-    <ds:schemaRef ds:uri="http://purl.org/dc/elements/1.1/"/>
-    <ds:schemaRef ds:uri="http://schemas.microsoft.com/office/2006/metadata/properties"/>
-    <ds:schemaRef ds:uri="http://www.w3.org/XML/1998/namespace"/>
-    <ds:schemaRef ds:uri="http://purl.org/dc/dcmitype/"/>
-    <ds:schemaRef ds:uri="http://schemas.microsoft.com/office/infopath/2007/PartnerControls"/>
+    <ds:schemaRef ds:uri="http://schemas.microsoft.com/office/internal/2005/internalDocumentation"/>
   </ds:schemaRefs>
 </ds:datastoreItem>
 </file>